--- a/DTSA 5011 Introduction to Deep Learning Final Project.pptx
+++ b/DTSA 5011 Introduction to Deep Learning Final Project.pptx
@@ -7,6 +7,12 @@
   <p:sldIdLst>
     <p:sldId id="256" r:id="rId2"/>
     <p:sldId id="257" r:id="rId3"/>
+    <p:sldId id="258" r:id="rId4"/>
+    <p:sldId id="259" r:id="rId5"/>
+    <p:sldId id="260" r:id="rId6"/>
+    <p:sldId id="261" r:id="rId7"/>
+    <p:sldId id="263" r:id="rId8"/>
+    <p:sldId id="262" r:id="rId9"/>
   </p:sldIdLst>
   <p:sldSz cx="12192000" cy="6858000"/>
   <p:notesSz cx="6858000" cy="9144000"/>
@@ -3522,7 +3528,7 @@
             </a:pPr>
             <a:r>
               <a:rPr lang="en-US" dirty="0"/>
-              <a:t>Optimizer</a:t>
+              <a:t>Optimizer/Dropout</a:t>
             </a:r>
           </a:p>
           <a:p>
@@ -3570,10 +3576,9 @@
               <a:buChar char="•"/>
             </a:pPr>
             <a:r>
-              <a:rPr lang="en-US"/>
+              <a:rPr lang="en-US" dirty="0"/>
               <a:t>4 Versions</a:t>
             </a:r>
-            <a:endParaRPr lang="en-US" dirty="0"/>
           </a:p>
           <a:p>
             <a:pPr marL="742950" lvl="1" indent="-285750">
@@ -3588,6 +3593,906 @@
     <p:extLst>
       <p:ext uri="{BB962C8B-B14F-4D97-AF65-F5344CB8AC3E}">
         <p14:creationId xmlns:p14="http://schemas.microsoft.com/office/powerpoint/2010/main" val="2134972078"/>
+      </p:ext>
+    </p:extLst>
+  </p:cSld>
+  <p:clrMapOvr>
+    <a:masterClrMapping/>
+  </p:clrMapOvr>
+</p:sld>
+</file>
+
+<file path=ppt/slides/slide3.xml><?xml version="1.0" encoding="utf-8"?>
+<p:sld xmlns:a="http://schemas.openxmlformats.org/drawingml/2006/main" xmlns:r="http://schemas.openxmlformats.org/officeDocument/2006/relationships" xmlns:p="http://schemas.openxmlformats.org/presentationml/2006/main">
+  <p:cSld>
+    <p:spTree>
+      <p:nvGrpSpPr>
+        <p:cNvPr id="1" name=""/>
+        <p:cNvGrpSpPr/>
+        <p:nvPr/>
+      </p:nvGrpSpPr>
+      <p:grpSpPr>
+        <a:xfrm>
+          <a:off x="0" y="0"/>
+          <a:ext cx="0" cy="0"/>
+          <a:chOff x="0" y="0"/>
+          <a:chExt cx="0" cy="0"/>
+        </a:xfrm>
+      </p:grpSpPr>
+      <p:sp>
+        <p:nvSpPr>
+          <p:cNvPr id="3" name="Title 2">
+            <a:extLst>
+              <a:ext uri="{FF2B5EF4-FFF2-40B4-BE49-F238E27FC236}">
+                <a16:creationId xmlns:a16="http://schemas.microsoft.com/office/drawing/2014/main" id="{CDC38D97-7FC4-4987-9A8C-3501DFC00042}"/>
+              </a:ext>
+            </a:extLst>
+          </p:cNvPr>
+          <p:cNvSpPr>
+            <a:spLocks noGrp="1"/>
+          </p:cNvSpPr>
+          <p:nvPr>
+            <p:ph type="title"/>
+          </p:nvPr>
+        </p:nvSpPr>
+        <p:spPr/>
+        <p:txBody>
+          <a:bodyPr/>
+          <a:lstStyle/>
+          <a:p>
+            <a:r>
+              <a:rPr lang="en-US" dirty="0"/>
+              <a:t>Dense Model Results</a:t>
+            </a:r>
+          </a:p>
+        </p:txBody>
+      </p:sp>
+      <p:sp>
+        <p:nvSpPr>
+          <p:cNvPr id="4" name="TextBox 3">
+            <a:extLst>
+              <a:ext uri="{FF2B5EF4-FFF2-40B4-BE49-F238E27FC236}">
+                <a16:creationId xmlns:a16="http://schemas.microsoft.com/office/drawing/2014/main" id="{E921B850-D1A1-491C-B8C9-2179945DD611}"/>
+              </a:ext>
+            </a:extLst>
+          </p:cNvPr>
+          <p:cNvSpPr txBox="1"/>
+          <p:nvPr/>
+        </p:nvSpPr>
+        <p:spPr>
+          <a:xfrm>
+            <a:off x="382556" y="2864497"/>
+            <a:ext cx="11150081" cy="1569660"/>
+          </a:xfrm>
+          <a:prstGeom prst="rect">
+            <a:avLst/>
+          </a:prstGeom>
+          <a:noFill/>
+        </p:spPr>
+        <p:txBody>
+          <a:bodyPr wrap="square" rtlCol="0">
+            <a:spAutoFit/>
+          </a:bodyPr>
+          <a:lstStyle/>
+          <a:p>
+            <a:pPr marL="285750" indent="-285750">
+              <a:buFont typeface="Arial" panose="020B0604020202020204" pitchFamily="34" charset="0"/>
+              <a:buChar char="•"/>
+            </a:pPr>
+            <a:r>
+              <a:rPr lang="en-US" sz="3200" dirty="0"/>
+              <a:t>Baseline model Test Accuracy 0.922</a:t>
+            </a:r>
+          </a:p>
+          <a:p>
+            <a:pPr marL="285750" indent="-285750">
+              <a:buFont typeface="Arial" panose="020B0604020202020204" pitchFamily="34" charset="0"/>
+              <a:buChar char="•"/>
+            </a:pPr>
+            <a:r>
+              <a:rPr lang="en-US" sz="3200" dirty="0"/>
+              <a:t>Test Accuracy between 0.966 and 0.980 for all deeper models</a:t>
+            </a:r>
+          </a:p>
+          <a:p>
+            <a:pPr marL="285750" indent="-285750">
+              <a:buFont typeface="Arial" panose="020B0604020202020204" pitchFamily="34" charset="0"/>
+              <a:buChar char="•"/>
+            </a:pPr>
+            <a:r>
+              <a:rPr lang="en-US" sz="3200" dirty="0"/>
+              <a:t>Much wider spread in training time 10.6 seconds to 312 seconds</a:t>
+            </a:r>
+          </a:p>
+        </p:txBody>
+      </p:sp>
+    </p:spTree>
+    <p:extLst>
+      <p:ext uri="{BB962C8B-B14F-4D97-AF65-F5344CB8AC3E}">
+        <p14:creationId xmlns:p14="http://schemas.microsoft.com/office/powerpoint/2010/main" val="3661314238"/>
+      </p:ext>
+    </p:extLst>
+  </p:cSld>
+  <p:clrMapOvr>
+    <a:masterClrMapping/>
+  </p:clrMapOvr>
+</p:sld>
+</file>
+
+<file path=ppt/slides/slide4.xml><?xml version="1.0" encoding="utf-8"?>
+<p:sld xmlns:a="http://schemas.openxmlformats.org/drawingml/2006/main" xmlns:r="http://schemas.openxmlformats.org/officeDocument/2006/relationships" xmlns:p="http://schemas.openxmlformats.org/presentationml/2006/main">
+  <p:cSld>
+    <p:spTree>
+      <p:nvGrpSpPr>
+        <p:cNvPr id="1" name=""/>
+        <p:cNvGrpSpPr/>
+        <p:nvPr/>
+      </p:nvGrpSpPr>
+      <p:grpSpPr>
+        <a:xfrm>
+          <a:off x="0" y="0"/>
+          <a:ext cx="0" cy="0"/>
+          <a:chOff x="0" y="0"/>
+          <a:chExt cx="0" cy="0"/>
+        </a:xfrm>
+      </p:grpSpPr>
+      <p:sp>
+        <p:nvSpPr>
+          <p:cNvPr id="2" name="Title 1">
+            <a:extLst>
+              <a:ext uri="{FF2B5EF4-FFF2-40B4-BE49-F238E27FC236}">
+                <a16:creationId xmlns:a16="http://schemas.microsoft.com/office/drawing/2014/main" id="{94B94E9A-40CE-40F5-821C-2A8678E7028F}"/>
+              </a:ext>
+            </a:extLst>
+          </p:cNvPr>
+          <p:cNvSpPr>
+            <a:spLocks noGrp="1"/>
+          </p:cNvSpPr>
+          <p:nvPr>
+            <p:ph type="title"/>
+          </p:nvPr>
+        </p:nvSpPr>
+        <p:spPr/>
+        <p:txBody>
+          <a:bodyPr/>
+          <a:lstStyle/>
+          <a:p>
+            <a:r>
+              <a:rPr lang="en-US" dirty="0"/>
+              <a:t>CNN Model 1</a:t>
+            </a:r>
+          </a:p>
+        </p:txBody>
+      </p:sp>
+      <p:sp>
+        <p:nvSpPr>
+          <p:cNvPr id="3" name="Content Placeholder 2">
+            <a:extLst>
+              <a:ext uri="{FF2B5EF4-FFF2-40B4-BE49-F238E27FC236}">
+                <a16:creationId xmlns:a16="http://schemas.microsoft.com/office/drawing/2014/main" id="{5A9BB3E3-3A12-41E1-A478-2C724326B017}"/>
+              </a:ext>
+            </a:extLst>
+          </p:cNvPr>
+          <p:cNvSpPr>
+            <a:spLocks noGrp="1"/>
+          </p:cNvSpPr>
+          <p:nvPr>
+            <p:ph idx="1"/>
+          </p:nvPr>
+        </p:nvSpPr>
+        <p:spPr/>
+        <p:txBody>
+          <a:bodyPr>
+            <a:normAutofit fontScale="62500" lnSpcReduction="20000"/>
+          </a:bodyPr>
+          <a:lstStyle/>
+          <a:p>
+            <a:pPr marL="0" indent="0">
+              <a:buNone/>
+            </a:pPr>
+            <a:r>
+              <a:rPr lang="en-US" dirty="0"/>
+              <a:t>   model = </a:t>
+            </a:r>
+            <a:r>
+              <a:rPr lang="en-US" dirty="0" err="1"/>
+              <a:t>models.Sequential</a:t>
+            </a:r>
+            <a:r>
+              <a:rPr lang="en-US" dirty="0"/>
+              <a:t>()</a:t>
+            </a:r>
+          </a:p>
+          <a:p>
+            <a:pPr marL="0" indent="0">
+              <a:buNone/>
+            </a:pPr>
+            <a:r>
+              <a:rPr lang="en-US" dirty="0"/>
+              <a:t>    # CONV =&gt; RELU =&gt; POOL</a:t>
+            </a:r>
+          </a:p>
+          <a:p>
+            <a:pPr marL="0" indent="0">
+              <a:buNone/>
+            </a:pPr>
+            <a:r>
+              <a:rPr lang="en-US" dirty="0"/>
+              <a:t>    </a:t>
+            </a:r>
+            <a:r>
+              <a:rPr lang="en-US" dirty="0" err="1"/>
+              <a:t>model.add</a:t>
+            </a:r>
+            <a:r>
+              <a:rPr lang="en-US" dirty="0"/>
+              <a:t>(layers.Convolution2D(20, (5, 5), activation='</a:t>
+            </a:r>
+            <a:r>
+              <a:rPr lang="en-US" dirty="0" err="1"/>
+              <a:t>relu</a:t>
+            </a:r>
+            <a:r>
+              <a:rPr lang="en-US" dirty="0"/>
+              <a:t>',</a:t>
+            </a:r>
+          </a:p>
+          <a:p>
+            <a:pPr marL="0" indent="0">
+              <a:buNone/>
+            </a:pPr>
+            <a:r>
+              <a:rPr lang="en-US" dirty="0"/>
+              <a:t>        </a:t>
+            </a:r>
+            <a:r>
+              <a:rPr lang="en-US" dirty="0" err="1"/>
+              <a:t>input_shape</a:t>
+            </a:r>
+            <a:r>
+              <a:rPr lang="en-US" dirty="0"/>
+              <a:t>=INPUT_SHAPE))</a:t>
+            </a:r>
+          </a:p>
+          <a:p>
+            <a:pPr marL="0" indent="0">
+              <a:buNone/>
+            </a:pPr>
+            <a:r>
+              <a:rPr lang="en-US" dirty="0"/>
+              <a:t>    </a:t>
+            </a:r>
+            <a:r>
+              <a:rPr lang="en-US" dirty="0" err="1"/>
+              <a:t>model.add</a:t>
+            </a:r>
+            <a:r>
+              <a:rPr lang="en-US" dirty="0"/>
+              <a:t>(layers.MaxPooling2D(</a:t>
+            </a:r>
+            <a:r>
+              <a:rPr lang="en-US" dirty="0" err="1"/>
+              <a:t>pool_size</a:t>
+            </a:r>
+            <a:r>
+              <a:rPr lang="en-US" dirty="0"/>
+              <a:t>=(2, 2), strides=(2, 2)))</a:t>
+            </a:r>
+          </a:p>
+          <a:p>
+            <a:pPr marL="0" indent="0">
+              <a:buNone/>
+            </a:pPr>
+            <a:r>
+              <a:rPr lang="en-US" dirty="0"/>
+              <a:t>    # CONV =&gt; RELU =&gt; POOL</a:t>
+            </a:r>
+          </a:p>
+          <a:p>
+            <a:pPr marL="0" indent="0">
+              <a:buNone/>
+            </a:pPr>
+            <a:r>
+              <a:rPr lang="en-US" dirty="0"/>
+              <a:t>    </a:t>
+            </a:r>
+            <a:r>
+              <a:rPr lang="en-US" dirty="0" err="1"/>
+              <a:t>model.add</a:t>
+            </a:r>
+            <a:r>
+              <a:rPr lang="en-US" dirty="0"/>
+              <a:t>(layers.Convolution2D(50, (5, 5), activation='</a:t>
+            </a:r>
+            <a:r>
+              <a:rPr lang="en-US" dirty="0" err="1"/>
+              <a:t>relu</a:t>
+            </a:r>
+            <a:r>
+              <a:rPr lang="en-US" dirty="0"/>
+              <a:t>'))</a:t>
+            </a:r>
+          </a:p>
+          <a:p>
+            <a:pPr marL="0" indent="0">
+              <a:buNone/>
+            </a:pPr>
+            <a:r>
+              <a:rPr lang="en-US" dirty="0"/>
+              <a:t>    </a:t>
+            </a:r>
+            <a:r>
+              <a:rPr lang="en-US" dirty="0" err="1"/>
+              <a:t>model.add</a:t>
+            </a:r>
+            <a:r>
+              <a:rPr lang="en-US" dirty="0"/>
+              <a:t>(layers.MaxPooling2D(</a:t>
+            </a:r>
+            <a:r>
+              <a:rPr lang="en-US" dirty="0" err="1"/>
+              <a:t>pool_size</a:t>
+            </a:r>
+            <a:r>
+              <a:rPr lang="en-US" dirty="0"/>
+              <a:t>=(2, 2), strides=(2, 2)))</a:t>
+            </a:r>
+          </a:p>
+          <a:p>
+            <a:pPr marL="0" indent="0">
+              <a:buNone/>
+            </a:pPr>
+            <a:r>
+              <a:rPr lang="en-US" dirty="0"/>
+              <a:t>    # Flatten =&gt; RELU layers</a:t>
+            </a:r>
+          </a:p>
+          <a:p>
+            <a:pPr marL="0" indent="0">
+              <a:buNone/>
+            </a:pPr>
+            <a:r>
+              <a:rPr lang="en-US" dirty="0"/>
+              <a:t>    </a:t>
+            </a:r>
+            <a:r>
+              <a:rPr lang="en-US" dirty="0" err="1"/>
+              <a:t>model.add</a:t>
+            </a:r>
+            <a:r>
+              <a:rPr lang="en-US" dirty="0"/>
+              <a:t>(</a:t>
+            </a:r>
+            <a:r>
+              <a:rPr lang="en-US" dirty="0" err="1"/>
+              <a:t>layers.Flatten</a:t>
+            </a:r>
+            <a:r>
+              <a:rPr lang="en-US" dirty="0"/>
+              <a:t>())</a:t>
+            </a:r>
+          </a:p>
+          <a:p>
+            <a:pPr marL="0" indent="0">
+              <a:buNone/>
+            </a:pPr>
+            <a:r>
+              <a:rPr lang="en-US" dirty="0"/>
+              <a:t>    </a:t>
+            </a:r>
+            <a:r>
+              <a:rPr lang="en-US" dirty="0" err="1"/>
+              <a:t>model.add</a:t>
+            </a:r>
+            <a:r>
+              <a:rPr lang="en-US" dirty="0"/>
+              <a:t>(</a:t>
+            </a:r>
+            <a:r>
+              <a:rPr lang="en-US" dirty="0" err="1"/>
+              <a:t>layers.Dense</a:t>
+            </a:r>
+            <a:r>
+              <a:rPr lang="en-US" dirty="0"/>
+              <a:t>(500, activation='</a:t>
+            </a:r>
+            <a:r>
+              <a:rPr lang="en-US" dirty="0" err="1"/>
+              <a:t>relu</a:t>
+            </a:r>
+            <a:r>
+              <a:rPr lang="en-US" dirty="0"/>
+              <a:t>'))</a:t>
+            </a:r>
+          </a:p>
+          <a:p>
+            <a:pPr marL="0" indent="0">
+              <a:buNone/>
+            </a:pPr>
+            <a:r>
+              <a:rPr lang="en-US" dirty="0"/>
+              <a:t>    # a </a:t>
+            </a:r>
+            <a:r>
+              <a:rPr lang="en-US" dirty="0" err="1"/>
+              <a:t>softmax</a:t>
+            </a:r>
+            <a:r>
+              <a:rPr lang="en-US" dirty="0"/>
+              <a:t> classifier</a:t>
+            </a:r>
+          </a:p>
+          <a:p>
+            <a:pPr marL="0" indent="0">
+              <a:buNone/>
+            </a:pPr>
+            <a:r>
+              <a:rPr lang="en-US" dirty="0"/>
+              <a:t>    </a:t>
+            </a:r>
+            <a:r>
+              <a:rPr lang="en-US" dirty="0" err="1"/>
+              <a:t>model.add</a:t>
+            </a:r>
+            <a:r>
+              <a:rPr lang="en-US" dirty="0"/>
+              <a:t>(</a:t>
+            </a:r>
+            <a:r>
+              <a:rPr lang="en-US" dirty="0" err="1"/>
+              <a:t>layers.Dense</a:t>
+            </a:r>
+            <a:r>
+              <a:rPr lang="en-US" dirty="0"/>
+              <a:t>(DIGIT_CLASSES, activation="</a:t>
+            </a:r>
+            <a:r>
+              <a:rPr lang="en-US" dirty="0" err="1"/>
+              <a:t>softmax</a:t>
+            </a:r>
+            <a:r>
+              <a:rPr lang="en-US" dirty="0"/>
+              <a:t>"))</a:t>
+            </a:r>
+          </a:p>
+        </p:txBody>
+      </p:sp>
+    </p:spTree>
+    <p:extLst>
+      <p:ext uri="{BB962C8B-B14F-4D97-AF65-F5344CB8AC3E}">
+        <p14:creationId xmlns:p14="http://schemas.microsoft.com/office/powerpoint/2010/main" val="2011592665"/>
+      </p:ext>
+    </p:extLst>
+  </p:cSld>
+  <p:clrMapOvr>
+    <a:masterClrMapping/>
+  </p:clrMapOvr>
+</p:sld>
+</file>
+
+<file path=ppt/slides/slide5.xml><?xml version="1.0" encoding="utf-8"?>
+<p:sld xmlns:a="http://schemas.openxmlformats.org/drawingml/2006/main" xmlns:r="http://schemas.openxmlformats.org/officeDocument/2006/relationships" xmlns:p="http://schemas.openxmlformats.org/presentationml/2006/main">
+  <p:cSld>
+    <p:spTree>
+      <p:nvGrpSpPr>
+        <p:cNvPr id="1" name=""/>
+        <p:cNvGrpSpPr/>
+        <p:nvPr/>
+      </p:nvGrpSpPr>
+      <p:grpSpPr>
+        <a:xfrm>
+          <a:off x="0" y="0"/>
+          <a:ext cx="0" cy="0"/>
+          <a:chOff x="0" y="0"/>
+          <a:chExt cx="0" cy="0"/>
+        </a:xfrm>
+      </p:grpSpPr>
+      <p:sp>
+        <p:nvSpPr>
+          <p:cNvPr id="2" name="Title 1">
+            <a:extLst>
+              <a:ext uri="{FF2B5EF4-FFF2-40B4-BE49-F238E27FC236}">
+                <a16:creationId xmlns:a16="http://schemas.microsoft.com/office/drawing/2014/main" id="{B4671003-CA25-4E6B-A82C-0C93D0E91426}"/>
+              </a:ext>
+            </a:extLst>
+          </p:cNvPr>
+          <p:cNvSpPr>
+            <a:spLocks noGrp="1"/>
+          </p:cNvSpPr>
+          <p:nvPr>
+            <p:ph type="title"/>
+          </p:nvPr>
+        </p:nvSpPr>
+        <p:spPr/>
+        <p:txBody>
+          <a:bodyPr/>
+          <a:lstStyle/>
+          <a:p>
+            <a:r>
+              <a:rPr lang="en-US" dirty="0"/>
+              <a:t>CNN Models 2, 3, and 4</a:t>
+            </a:r>
+          </a:p>
+        </p:txBody>
+      </p:sp>
+      <p:sp>
+        <p:nvSpPr>
+          <p:cNvPr id="3" name="Content Placeholder 2">
+            <a:extLst>
+              <a:ext uri="{FF2B5EF4-FFF2-40B4-BE49-F238E27FC236}">
+                <a16:creationId xmlns:a16="http://schemas.microsoft.com/office/drawing/2014/main" id="{F8D4EDBB-1F44-4427-BB82-A303AF129DD8}"/>
+              </a:ext>
+            </a:extLst>
+          </p:cNvPr>
+          <p:cNvSpPr>
+            <a:spLocks noGrp="1"/>
+          </p:cNvSpPr>
+          <p:nvPr>
+            <p:ph idx="1"/>
+          </p:nvPr>
+        </p:nvSpPr>
+        <p:spPr/>
+        <p:txBody>
+          <a:bodyPr/>
+          <a:lstStyle/>
+          <a:p>
+            <a:r>
+              <a:rPr lang="en-US" dirty="0"/>
+              <a:t>Model 2, replaced 2 (5,5) kernel convolution layers with 2 (3,3) kernel layers</a:t>
+            </a:r>
+          </a:p>
+          <a:p>
+            <a:endParaRPr lang="en-US" dirty="0"/>
+          </a:p>
+          <a:p>
+            <a:r>
+              <a:rPr lang="en-US" dirty="0"/>
+              <a:t>Model 3, like Model 2, but added a third (3,3) kernel convolution layer</a:t>
+            </a:r>
+          </a:p>
+          <a:p>
+            <a:endParaRPr lang="en-US" dirty="0"/>
+          </a:p>
+          <a:p>
+            <a:r>
+              <a:rPr lang="en-US" dirty="0"/>
+              <a:t>Model 4, starting from Model 1, replaced each (5,5) kernel convolution layer with two (3,3) kernel layers</a:t>
+            </a:r>
+          </a:p>
+        </p:txBody>
+      </p:sp>
+    </p:spTree>
+    <p:extLst>
+      <p:ext uri="{BB962C8B-B14F-4D97-AF65-F5344CB8AC3E}">
+        <p14:creationId xmlns:p14="http://schemas.microsoft.com/office/powerpoint/2010/main" val="3088641404"/>
+      </p:ext>
+    </p:extLst>
+  </p:cSld>
+  <p:clrMapOvr>
+    <a:masterClrMapping/>
+  </p:clrMapOvr>
+</p:sld>
+</file>
+
+<file path=ppt/slides/slide6.xml><?xml version="1.0" encoding="utf-8"?>
+<p:sld xmlns:a="http://schemas.openxmlformats.org/drawingml/2006/main" xmlns:r="http://schemas.openxmlformats.org/officeDocument/2006/relationships" xmlns:p="http://schemas.openxmlformats.org/presentationml/2006/main">
+  <p:cSld>
+    <p:spTree>
+      <p:nvGrpSpPr>
+        <p:cNvPr id="1" name=""/>
+        <p:cNvGrpSpPr/>
+        <p:nvPr/>
+      </p:nvGrpSpPr>
+      <p:grpSpPr>
+        <a:xfrm>
+          <a:off x="0" y="0"/>
+          <a:ext cx="0" cy="0"/>
+          <a:chOff x="0" y="0"/>
+          <a:chExt cx="0" cy="0"/>
+        </a:xfrm>
+      </p:grpSpPr>
+      <p:sp>
+        <p:nvSpPr>
+          <p:cNvPr id="2" name="Title 1">
+            <a:extLst>
+              <a:ext uri="{FF2B5EF4-FFF2-40B4-BE49-F238E27FC236}">
+                <a16:creationId xmlns:a16="http://schemas.microsoft.com/office/drawing/2014/main" id="{F341FAF4-0B4E-4F5E-A473-91F8F81BF2AE}"/>
+              </a:ext>
+            </a:extLst>
+          </p:cNvPr>
+          <p:cNvSpPr>
+            <a:spLocks noGrp="1"/>
+          </p:cNvSpPr>
+          <p:nvPr>
+            <p:ph type="title"/>
+          </p:nvPr>
+        </p:nvSpPr>
+        <p:spPr/>
+        <p:txBody>
+          <a:bodyPr/>
+          <a:lstStyle/>
+          <a:p>
+            <a:r>
+              <a:rPr lang="en-US" dirty="0"/>
+              <a:t>CNN Model Comparison</a:t>
+            </a:r>
+          </a:p>
+        </p:txBody>
+      </p:sp>
+      <p:sp>
+        <p:nvSpPr>
+          <p:cNvPr id="3" name="Content Placeholder 2">
+            <a:extLst>
+              <a:ext uri="{FF2B5EF4-FFF2-40B4-BE49-F238E27FC236}">
+                <a16:creationId xmlns:a16="http://schemas.microsoft.com/office/drawing/2014/main" id="{7292836A-4A18-4181-B033-0F5ACF24CC03}"/>
+              </a:ext>
+            </a:extLst>
+          </p:cNvPr>
+          <p:cNvSpPr>
+            <a:spLocks noGrp="1"/>
+          </p:cNvSpPr>
+          <p:nvPr>
+            <p:ph idx="1"/>
+          </p:nvPr>
+        </p:nvSpPr>
+        <p:spPr>
+          <a:xfrm>
+            <a:off x="838200" y="1825625"/>
+            <a:ext cx="10515600" cy="656318"/>
+          </a:xfrm>
+        </p:spPr>
+        <p:txBody>
+          <a:bodyPr/>
+          <a:lstStyle/>
+          <a:p>
+            <a:r>
+              <a:rPr lang="en-US" dirty="0"/>
+              <a:t>all 4 models test accuracy between 0.9904 and 0.9913</a:t>
+            </a:r>
+          </a:p>
+        </p:txBody>
+      </p:sp>
+      <p:pic>
+        <p:nvPicPr>
+          <p:cNvPr id="5" name="Picture 4">
+            <a:extLst>
+              <a:ext uri="{FF2B5EF4-FFF2-40B4-BE49-F238E27FC236}">
+                <a16:creationId xmlns:a16="http://schemas.microsoft.com/office/drawing/2014/main" id="{72993BE5-A4D2-4CDD-9C2E-AA18E2E1C357}"/>
+              </a:ext>
+            </a:extLst>
+          </p:cNvPr>
+          <p:cNvPicPr>
+            <a:picLocks noChangeAspect="1"/>
+          </p:cNvPicPr>
+          <p:nvPr/>
+        </p:nvPicPr>
+        <p:blipFill>
+          <a:blip r:embed="rId2"/>
+          <a:stretch>
+            <a:fillRect/>
+          </a:stretch>
+        </p:blipFill>
+        <p:spPr>
+          <a:xfrm>
+            <a:off x="2849626" y="2470081"/>
+            <a:ext cx="5977133" cy="4387919"/>
+          </a:xfrm>
+          <a:prstGeom prst="rect">
+            <a:avLst/>
+          </a:prstGeom>
+        </p:spPr>
+      </p:pic>
+    </p:spTree>
+    <p:extLst>
+      <p:ext uri="{BB962C8B-B14F-4D97-AF65-F5344CB8AC3E}">
+        <p14:creationId xmlns:p14="http://schemas.microsoft.com/office/powerpoint/2010/main" val="1040438421"/>
+      </p:ext>
+    </p:extLst>
+  </p:cSld>
+  <p:clrMapOvr>
+    <a:masterClrMapping/>
+  </p:clrMapOvr>
+</p:sld>
+</file>
+
+<file path=ppt/slides/slide7.xml><?xml version="1.0" encoding="utf-8"?>
+<p:sld xmlns:a="http://schemas.openxmlformats.org/drawingml/2006/main" xmlns:r="http://schemas.openxmlformats.org/officeDocument/2006/relationships" xmlns:p="http://schemas.openxmlformats.org/presentationml/2006/main">
+  <p:cSld>
+    <p:spTree>
+      <p:nvGrpSpPr>
+        <p:cNvPr id="1" name=""/>
+        <p:cNvGrpSpPr/>
+        <p:nvPr/>
+      </p:nvGrpSpPr>
+      <p:grpSpPr>
+        <a:xfrm>
+          <a:off x="0" y="0"/>
+          <a:ext cx="0" cy="0"/>
+          <a:chOff x="0" y="0"/>
+          <a:chExt cx="0" cy="0"/>
+        </a:xfrm>
+      </p:grpSpPr>
+      <p:sp>
+        <p:nvSpPr>
+          <p:cNvPr id="2" name="Title 1">
+            <a:extLst>
+              <a:ext uri="{FF2B5EF4-FFF2-40B4-BE49-F238E27FC236}">
+                <a16:creationId xmlns:a16="http://schemas.microsoft.com/office/drawing/2014/main" id="{7EA02D22-F2C2-449C-80FC-52178E219FA2}"/>
+              </a:ext>
+            </a:extLst>
+          </p:cNvPr>
+          <p:cNvSpPr>
+            <a:spLocks noGrp="1"/>
+          </p:cNvSpPr>
+          <p:nvPr>
+            <p:ph type="title"/>
+          </p:nvPr>
+        </p:nvSpPr>
+        <p:spPr/>
+        <p:txBody>
+          <a:bodyPr/>
+          <a:lstStyle/>
+          <a:p>
+            <a:r>
+              <a:rPr lang="en-US" dirty="0"/>
+              <a:t>CNN Model Comparison</a:t>
+            </a:r>
+          </a:p>
+        </p:txBody>
+      </p:sp>
+      <p:sp>
+        <p:nvSpPr>
+          <p:cNvPr id="3" name="Content Placeholder 2">
+            <a:extLst>
+              <a:ext uri="{FF2B5EF4-FFF2-40B4-BE49-F238E27FC236}">
+                <a16:creationId xmlns:a16="http://schemas.microsoft.com/office/drawing/2014/main" id="{1C9B67A6-6F3C-44A3-9E35-CAC3A631F519}"/>
+              </a:ext>
+            </a:extLst>
+          </p:cNvPr>
+          <p:cNvSpPr>
+            <a:spLocks noGrp="1"/>
+          </p:cNvSpPr>
+          <p:nvPr>
+            <p:ph idx="1"/>
+          </p:nvPr>
+        </p:nvSpPr>
+        <p:spPr/>
+        <p:txBody>
+          <a:bodyPr/>
+          <a:lstStyle/>
+          <a:p>
+            <a:pPr marL="0" indent="0">
+              <a:buNone/>
+            </a:pPr>
+            <a:r>
+              <a:rPr lang="en-US" dirty="0"/>
+              <a:t> </a:t>
+            </a:r>
+          </a:p>
+        </p:txBody>
+      </p:sp>
+      <p:pic>
+        <p:nvPicPr>
+          <p:cNvPr id="5" name="Picture 4">
+            <a:extLst>
+              <a:ext uri="{FF2B5EF4-FFF2-40B4-BE49-F238E27FC236}">
+                <a16:creationId xmlns:a16="http://schemas.microsoft.com/office/drawing/2014/main" id="{01D57166-3DFF-415F-8A37-1DE7560AC860}"/>
+              </a:ext>
+            </a:extLst>
+          </p:cNvPr>
+          <p:cNvPicPr>
+            <a:picLocks noChangeAspect="1"/>
+          </p:cNvPicPr>
+          <p:nvPr/>
+        </p:nvPicPr>
+        <p:blipFill>
+          <a:blip r:embed="rId2"/>
+          <a:stretch>
+            <a:fillRect/>
+          </a:stretch>
+        </p:blipFill>
+        <p:spPr>
+          <a:xfrm>
+            <a:off x="2183418" y="2514421"/>
+            <a:ext cx="6938713" cy="3386931"/>
+          </a:xfrm>
+          <a:prstGeom prst="rect">
+            <a:avLst/>
+          </a:prstGeom>
+        </p:spPr>
+      </p:pic>
+    </p:spTree>
+    <p:extLst>
+      <p:ext uri="{BB962C8B-B14F-4D97-AF65-F5344CB8AC3E}">
+        <p14:creationId xmlns:p14="http://schemas.microsoft.com/office/powerpoint/2010/main" val="1228394090"/>
+      </p:ext>
+    </p:extLst>
+  </p:cSld>
+  <p:clrMapOvr>
+    <a:masterClrMapping/>
+  </p:clrMapOvr>
+</p:sld>
+</file>
+
+<file path=ppt/slides/slide8.xml><?xml version="1.0" encoding="utf-8"?>
+<p:sld xmlns:a="http://schemas.openxmlformats.org/drawingml/2006/main" xmlns:r="http://schemas.openxmlformats.org/officeDocument/2006/relationships" xmlns:p="http://schemas.openxmlformats.org/presentationml/2006/main">
+  <p:cSld>
+    <p:spTree>
+      <p:nvGrpSpPr>
+        <p:cNvPr id="1" name=""/>
+        <p:cNvGrpSpPr/>
+        <p:nvPr/>
+      </p:nvGrpSpPr>
+      <p:grpSpPr>
+        <a:xfrm>
+          <a:off x="0" y="0"/>
+          <a:ext cx="0" cy="0"/>
+          <a:chOff x="0" y="0"/>
+          <a:chExt cx="0" cy="0"/>
+        </a:xfrm>
+      </p:grpSpPr>
+      <p:sp>
+        <p:nvSpPr>
+          <p:cNvPr id="2" name="Title 1">
+            <a:extLst>
+              <a:ext uri="{FF2B5EF4-FFF2-40B4-BE49-F238E27FC236}">
+                <a16:creationId xmlns:a16="http://schemas.microsoft.com/office/drawing/2014/main" id="{2DCF55AC-AABD-45DC-9069-89D201D7F285}"/>
+              </a:ext>
+            </a:extLst>
+          </p:cNvPr>
+          <p:cNvSpPr>
+            <a:spLocks noGrp="1"/>
+          </p:cNvSpPr>
+          <p:nvPr>
+            <p:ph type="title"/>
+          </p:nvPr>
+        </p:nvSpPr>
+        <p:spPr/>
+        <p:txBody>
+          <a:bodyPr/>
+          <a:lstStyle/>
+          <a:p>
+            <a:r>
+              <a:rPr lang="en-US" dirty="0"/>
+              <a:t>CNN Model Training Time</a:t>
+            </a:r>
+          </a:p>
+        </p:txBody>
+      </p:sp>
+      <p:pic>
+        <p:nvPicPr>
+          <p:cNvPr id="5" name="Picture 4">
+            <a:extLst>
+              <a:ext uri="{FF2B5EF4-FFF2-40B4-BE49-F238E27FC236}">
+                <a16:creationId xmlns:a16="http://schemas.microsoft.com/office/drawing/2014/main" id="{69EF99A2-DF63-4A79-A143-A247160F39DE}"/>
+              </a:ext>
+            </a:extLst>
+          </p:cNvPr>
+          <p:cNvPicPr>
+            <a:picLocks noChangeAspect="1"/>
+          </p:cNvPicPr>
+          <p:nvPr/>
+        </p:nvPicPr>
+        <p:blipFill>
+          <a:blip r:embed="rId2"/>
+          <a:stretch>
+            <a:fillRect/>
+          </a:stretch>
+        </p:blipFill>
+        <p:spPr>
+          <a:xfrm>
+            <a:off x="1138335" y="1919287"/>
+            <a:ext cx="7134127" cy="4948618"/>
+          </a:xfrm>
+          <a:prstGeom prst="rect">
+            <a:avLst/>
+          </a:prstGeom>
+        </p:spPr>
+      </p:pic>
+    </p:spTree>
+    <p:extLst>
+      <p:ext uri="{BB962C8B-B14F-4D97-AF65-F5344CB8AC3E}">
+        <p14:creationId xmlns:p14="http://schemas.microsoft.com/office/powerpoint/2010/main" val="4035806508"/>
       </p:ext>
     </p:extLst>
   </p:cSld>

--- a/DTSA 5011 Introduction to Deep Learning Final Project.pptx
+++ b/DTSA 5011 Introduction to Deep Learning Final Project.pptx
@@ -8,11 +8,12 @@
     <p:sldId id="256" r:id="rId2"/>
     <p:sldId id="257" r:id="rId3"/>
     <p:sldId id="258" r:id="rId4"/>
-    <p:sldId id="259" r:id="rId5"/>
-    <p:sldId id="260" r:id="rId6"/>
-    <p:sldId id="261" r:id="rId7"/>
-    <p:sldId id="263" r:id="rId8"/>
-    <p:sldId id="262" r:id="rId9"/>
+    <p:sldId id="264" r:id="rId5"/>
+    <p:sldId id="259" r:id="rId6"/>
+    <p:sldId id="260" r:id="rId7"/>
+    <p:sldId id="261" r:id="rId8"/>
+    <p:sldId id="263" r:id="rId9"/>
+    <p:sldId id="262" r:id="rId10"/>
   </p:sldIdLst>
   <p:sldSz cx="12192000" cy="6858000"/>
   <p:notesSz cx="6858000" cy="9144000"/>
@@ -3741,7 +3742,7 @@
           <p:cNvPr id="2" name="Title 1">
             <a:extLst>
               <a:ext uri="{FF2B5EF4-FFF2-40B4-BE49-F238E27FC236}">
-                <a16:creationId xmlns:a16="http://schemas.microsoft.com/office/drawing/2014/main" id="{94B94E9A-40CE-40F5-821C-2A8678E7028F}"/>
+                <a16:creationId xmlns:a16="http://schemas.microsoft.com/office/drawing/2014/main" id="{B2060DEE-5DC0-478B-85E9-8A6DC95973B2}"/>
               </a:ext>
             </a:extLst>
           </p:cNvPr>
@@ -3759,7 +3760,7 @@
           <a:p>
             <a:r>
               <a:rPr lang="en-US" dirty="0"/>
-              <a:t>CNN Model 1</a:t>
+              <a:t>And The Winner Is ...</a:t>
             </a:r>
           </a:p>
         </p:txBody>
@@ -3769,7 +3770,7 @@
           <p:cNvPr id="3" name="Content Placeholder 2">
             <a:extLst>
               <a:ext uri="{FF2B5EF4-FFF2-40B4-BE49-F238E27FC236}">
-                <a16:creationId xmlns:a16="http://schemas.microsoft.com/office/drawing/2014/main" id="{5A9BB3E3-3A12-41E1-A478-2C724326B017}"/>
+                <a16:creationId xmlns:a16="http://schemas.microsoft.com/office/drawing/2014/main" id="{22DB3922-03EC-447E-B95B-6B2CF48FFC49}"/>
               </a:ext>
             </a:extLst>
           </p:cNvPr>
@@ -3782,277 +3783,39 @@
         </p:nvSpPr>
         <p:spPr/>
         <p:txBody>
-          <a:bodyPr>
-            <a:normAutofit fontScale="62500" lnSpcReduction="20000"/>
-          </a:bodyPr>
-          <a:lstStyle/>
-          <a:p>
-            <a:pPr marL="0" indent="0">
-              <a:buNone/>
-            </a:pPr>
-            <a:r>
-              <a:rPr lang="en-US" dirty="0"/>
-              <a:t>   model = </a:t>
-            </a:r>
-            <a:r>
-              <a:rPr lang="en-US" dirty="0" err="1"/>
-              <a:t>models.Sequential</a:t>
-            </a:r>
-            <a:r>
-              <a:rPr lang="en-US" dirty="0"/>
-              <a:t>()</a:t>
-            </a:r>
-          </a:p>
-          <a:p>
-            <a:pPr marL="0" indent="0">
-              <a:buNone/>
-            </a:pPr>
-            <a:r>
-              <a:rPr lang="en-US" dirty="0"/>
-              <a:t>    # CONV =&gt; RELU =&gt; POOL</a:t>
-            </a:r>
-          </a:p>
-          <a:p>
-            <a:pPr marL="0" indent="0">
-              <a:buNone/>
-            </a:pPr>
-            <a:r>
-              <a:rPr lang="en-US" dirty="0"/>
-              <a:t>    </a:t>
-            </a:r>
-            <a:r>
-              <a:rPr lang="en-US" dirty="0" err="1"/>
-              <a:t>model.add</a:t>
-            </a:r>
-            <a:r>
-              <a:rPr lang="en-US" dirty="0"/>
-              <a:t>(layers.Convolution2D(20, (5, 5), activation='</a:t>
-            </a:r>
-            <a:r>
-              <a:rPr lang="en-US" dirty="0" err="1"/>
-              <a:t>relu</a:t>
-            </a:r>
-            <a:r>
-              <a:rPr lang="en-US" dirty="0"/>
-              <a:t>',</a:t>
-            </a:r>
-          </a:p>
-          <a:p>
-            <a:pPr marL="0" indent="0">
-              <a:buNone/>
-            </a:pPr>
-            <a:r>
-              <a:rPr lang="en-US" dirty="0"/>
-              <a:t>        </a:t>
-            </a:r>
-            <a:r>
-              <a:rPr lang="en-US" dirty="0" err="1"/>
-              <a:t>input_shape</a:t>
-            </a:r>
-            <a:r>
-              <a:rPr lang="en-US" dirty="0"/>
-              <a:t>=INPUT_SHAPE))</a:t>
-            </a:r>
-          </a:p>
-          <a:p>
-            <a:pPr marL="0" indent="0">
-              <a:buNone/>
-            </a:pPr>
-            <a:r>
-              <a:rPr lang="en-US" dirty="0"/>
-              <a:t>    </a:t>
-            </a:r>
-            <a:r>
-              <a:rPr lang="en-US" dirty="0" err="1"/>
-              <a:t>model.add</a:t>
-            </a:r>
-            <a:r>
-              <a:rPr lang="en-US" dirty="0"/>
-              <a:t>(layers.MaxPooling2D(</a:t>
-            </a:r>
-            <a:r>
-              <a:rPr lang="en-US" dirty="0" err="1"/>
-              <a:t>pool_size</a:t>
-            </a:r>
-            <a:r>
-              <a:rPr lang="en-US" dirty="0"/>
-              <a:t>=(2, 2), strides=(2, 2)))</a:t>
-            </a:r>
-          </a:p>
-          <a:p>
-            <a:pPr marL="0" indent="0">
-              <a:buNone/>
-            </a:pPr>
-            <a:r>
-              <a:rPr lang="en-US" dirty="0"/>
-              <a:t>    # CONV =&gt; RELU =&gt; POOL</a:t>
-            </a:r>
-          </a:p>
-          <a:p>
-            <a:pPr marL="0" indent="0">
-              <a:buNone/>
-            </a:pPr>
-            <a:r>
-              <a:rPr lang="en-US" dirty="0"/>
-              <a:t>    </a:t>
-            </a:r>
-            <a:r>
-              <a:rPr lang="en-US" dirty="0" err="1"/>
-              <a:t>model.add</a:t>
-            </a:r>
-            <a:r>
-              <a:rPr lang="en-US" dirty="0"/>
-              <a:t>(layers.Convolution2D(50, (5, 5), activation='</a:t>
-            </a:r>
-            <a:r>
-              <a:rPr lang="en-US" dirty="0" err="1"/>
-              <a:t>relu</a:t>
-            </a:r>
-            <a:r>
-              <a:rPr lang="en-US" dirty="0"/>
-              <a:t>'))</a:t>
-            </a:r>
-          </a:p>
-          <a:p>
-            <a:pPr marL="0" indent="0">
-              <a:buNone/>
-            </a:pPr>
-            <a:r>
-              <a:rPr lang="en-US" dirty="0"/>
-              <a:t>    </a:t>
-            </a:r>
-            <a:r>
-              <a:rPr lang="en-US" dirty="0" err="1"/>
-              <a:t>model.add</a:t>
-            </a:r>
-            <a:r>
-              <a:rPr lang="en-US" dirty="0"/>
-              <a:t>(layers.MaxPooling2D(</a:t>
-            </a:r>
-            <a:r>
-              <a:rPr lang="en-US" dirty="0" err="1"/>
-              <a:t>pool_size</a:t>
-            </a:r>
-            <a:r>
-              <a:rPr lang="en-US" dirty="0"/>
-              <a:t>=(2, 2), strides=(2, 2)))</a:t>
-            </a:r>
-          </a:p>
-          <a:p>
-            <a:pPr marL="0" indent="0">
-              <a:buNone/>
-            </a:pPr>
-            <a:r>
-              <a:rPr lang="en-US" dirty="0"/>
-              <a:t>    # Flatten =&gt; RELU layers</a:t>
-            </a:r>
-          </a:p>
-          <a:p>
-            <a:pPr marL="0" indent="0">
-              <a:buNone/>
-            </a:pPr>
-            <a:r>
-              <a:rPr lang="en-US" dirty="0"/>
-              <a:t>    </a:t>
-            </a:r>
-            <a:r>
-              <a:rPr lang="en-US" dirty="0" err="1"/>
-              <a:t>model.add</a:t>
-            </a:r>
-            <a:r>
-              <a:rPr lang="en-US" dirty="0"/>
-              <a:t>(</a:t>
-            </a:r>
-            <a:r>
-              <a:rPr lang="en-US" dirty="0" err="1"/>
-              <a:t>layers.Flatten</a:t>
-            </a:r>
-            <a:r>
-              <a:rPr lang="en-US" dirty="0"/>
-              <a:t>())</a:t>
-            </a:r>
-          </a:p>
-          <a:p>
-            <a:pPr marL="0" indent="0">
-              <a:buNone/>
-            </a:pPr>
-            <a:r>
-              <a:rPr lang="en-US" dirty="0"/>
-              <a:t>    </a:t>
-            </a:r>
-            <a:r>
-              <a:rPr lang="en-US" dirty="0" err="1"/>
-              <a:t>model.add</a:t>
-            </a:r>
-            <a:r>
-              <a:rPr lang="en-US" dirty="0"/>
-              <a:t>(</a:t>
-            </a:r>
-            <a:r>
-              <a:rPr lang="en-US" dirty="0" err="1"/>
-              <a:t>layers.Dense</a:t>
-            </a:r>
-            <a:r>
-              <a:rPr lang="en-US" dirty="0"/>
-              <a:t>(500, activation='</a:t>
-            </a:r>
-            <a:r>
-              <a:rPr lang="en-US" dirty="0" err="1"/>
-              <a:t>relu</a:t>
-            </a:r>
-            <a:r>
-              <a:rPr lang="en-US" dirty="0"/>
-              <a:t>'))</a:t>
-            </a:r>
-          </a:p>
-          <a:p>
-            <a:pPr marL="0" indent="0">
-              <a:buNone/>
-            </a:pPr>
-            <a:r>
-              <a:rPr lang="en-US" dirty="0"/>
-              <a:t>    # a </a:t>
-            </a:r>
-            <a:r>
-              <a:rPr lang="en-US" dirty="0" err="1"/>
-              <a:t>softmax</a:t>
-            </a:r>
-            <a:r>
-              <a:rPr lang="en-US" dirty="0"/>
-              <a:t> classifier</a:t>
-            </a:r>
-          </a:p>
-          <a:p>
-            <a:pPr marL="0" indent="0">
-              <a:buNone/>
-            </a:pPr>
-            <a:r>
-              <a:rPr lang="en-US" dirty="0"/>
-              <a:t>    </a:t>
-            </a:r>
-            <a:r>
-              <a:rPr lang="en-US" dirty="0" err="1"/>
-              <a:t>model.add</a:t>
-            </a:r>
-            <a:r>
-              <a:rPr lang="en-US" dirty="0"/>
-              <a:t>(</a:t>
-            </a:r>
-            <a:r>
-              <a:rPr lang="en-US" dirty="0" err="1"/>
-              <a:t>layers.Dense</a:t>
-            </a:r>
-            <a:r>
-              <a:rPr lang="en-US" dirty="0"/>
-              <a:t>(DIGIT_CLASSES, activation="</a:t>
-            </a:r>
-            <a:r>
-              <a:rPr lang="en-US" dirty="0" err="1"/>
-              <a:t>softmax</a:t>
-            </a:r>
-            <a:r>
-              <a:rPr lang="en-US" dirty="0"/>
-              <a:t>"))</a:t>
+          <a:bodyPr/>
+          <a:lstStyle/>
+          <a:p>
+            <a:endParaRPr lang="en-US" dirty="0"/>
+          </a:p>
+          <a:p>
+            <a:r>
+              <a:rPr lang="en-US" dirty="0"/>
+              <a:t>Dense Model with Best Accuracy</a:t>
+            </a:r>
+          </a:p>
+          <a:p>
+            <a:pPr lvl="1"/>
+            <a:r>
+              <a:rPr lang="en-US" dirty="0"/>
+              <a:t>0.9803 with 1 hidden layer of 192 units, Adam Optimizer</a:t>
+            </a:r>
+          </a:p>
+          <a:p>
+            <a:pPr lvl="1"/>
+            <a:endParaRPr lang="en-US" dirty="0"/>
+          </a:p>
+          <a:p>
+            <a:r>
+              <a:rPr lang="en-US" dirty="0"/>
+              <a:t>Dense Model with Shortest Training Time</a:t>
+            </a:r>
+          </a:p>
+          <a:p>
+            <a:pPr lvl="1"/>
+            <a:r>
+              <a:rPr lang="en-US" dirty="0"/>
+              <a:t>10.6 sec with 2 hidden layers of 192 units, Adam Optimizer</a:t>
             </a:r>
           </a:p>
         </p:txBody>
@@ -4060,7 +3823,7 @@
     </p:spTree>
     <p:extLst>
       <p:ext uri="{BB962C8B-B14F-4D97-AF65-F5344CB8AC3E}">
-        <p14:creationId xmlns:p14="http://schemas.microsoft.com/office/powerpoint/2010/main" val="2011592665"/>
+        <p14:creationId xmlns:p14="http://schemas.microsoft.com/office/powerpoint/2010/main" val="3274950820"/>
       </p:ext>
     </p:extLst>
   </p:cSld>
@@ -4092,6 +3855,370 @@
           <p:cNvPr id="2" name="Title 1">
             <a:extLst>
               <a:ext uri="{FF2B5EF4-FFF2-40B4-BE49-F238E27FC236}">
+                <a16:creationId xmlns:a16="http://schemas.microsoft.com/office/drawing/2014/main" id="{94B94E9A-40CE-40F5-821C-2A8678E7028F}"/>
+              </a:ext>
+            </a:extLst>
+          </p:cNvPr>
+          <p:cNvSpPr>
+            <a:spLocks noGrp="1"/>
+          </p:cNvSpPr>
+          <p:nvPr>
+            <p:ph type="title"/>
+          </p:nvPr>
+        </p:nvSpPr>
+        <p:spPr/>
+        <p:txBody>
+          <a:bodyPr/>
+          <a:lstStyle/>
+          <a:p>
+            <a:r>
+              <a:rPr lang="en-US" dirty="0"/>
+              <a:t>CNN Model 1 </a:t>
+            </a:r>
+            <a:r>
+              <a:rPr lang="en-US" sz="2400" dirty="0"/>
+              <a:t>from </a:t>
+            </a:r>
+            <a:r>
+              <a:rPr lang="en-US" sz="2400" u="sng" dirty="0"/>
+              <a:t>Deep Learning with Tensorflow2 and </a:t>
+            </a:r>
+            <a:r>
+              <a:rPr lang="en-US" sz="2400" u="sng" dirty="0" err="1"/>
+              <a:t>Keras</a:t>
+            </a:r>
+            <a:endParaRPr lang="en-US" sz="2400" u="sng" dirty="0"/>
+          </a:p>
+        </p:txBody>
+      </p:sp>
+      <p:sp>
+        <p:nvSpPr>
+          <p:cNvPr id="3" name="Content Placeholder 2">
+            <a:extLst>
+              <a:ext uri="{FF2B5EF4-FFF2-40B4-BE49-F238E27FC236}">
+                <a16:creationId xmlns:a16="http://schemas.microsoft.com/office/drawing/2014/main" id="{5A9BB3E3-3A12-41E1-A478-2C724326B017}"/>
+              </a:ext>
+            </a:extLst>
+          </p:cNvPr>
+          <p:cNvSpPr>
+            <a:spLocks noGrp="1"/>
+          </p:cNvSpPr>
+          <p:nvPr>
+            <p:ph idx="1"/>
+          </p:nvPr>
+        </p:nvSpPr>
+        <p:spPr/>
+        <p:txBody>
+          <a:bodyPr>
+            <a:normAutofit fontScale="62500" lnSpcReduction="20000"/>
+          </a:bodyPr>
+          <a:lstStyle/>
+          <a:p>
+            <a:pPr marL="0" indent="0">
+              <a:buNone/>
+            </a:pPr>
+            <a:r>
+              <a:rPr lang="en-US" dirty="0"/>
+              <a:t>   model = </a:t>
+            </a:r>
+            <a:r>
+              <a:rPr lang="en-US" dirty="0" err="1"/>
+              <a:t>models.Sequential</a:t>
+            </a:r>
+            <a:r>
+              <a:rPr lang="en-US" dirty="0"/>
+              <a:t>()</a:t>
+            </a:r>
+          </a:p>
+          <a:p>
+            <a:pPr marL="0" indent="0">
+              <a:buNone/>
+            </a:pPr>
+            <a:r>
+              <a:rPr lang="en-US" dirty="0"/>
+              <a:t>    # CONV =&gt; RELU =&gt; POOL</a:t>
+            </a:r>
+          </a:p>
+          <a:p>
+            <a:pPr marL="0" indent="0">
+              <a:buNone/>
+            </a:pPr>
+            <a:r>
+              <a:rPr lang="en-US" dirty="0"/>
+              <a:t>    </a:t>
+            </a:r>
+            <a:r>
+              <a:rPr lang="en-US" dirty="0" err="1"/>
+              <a:t>model.add</a:t>
+            </a:r>
+            <a:r>
+              <a:rPr lang="en-US" dirty="0"/>
+              <a:t>(layers.Convolution2D(20, (5, 5), activation='</a:t>
+            </a:r>
+            <a:r>
+              <a:rPr lang="en-US" dirty="0" err="1"/>
+              <a:t>relu</a:t>
+            </a:r>
+            <a:r>
+              <a:rPr lang="en-US" dirty="0"/>
+              <a:t>',</a:t>
+            </a:r>
+          </a:p>
+          <a:p>
+            <a:pPr marL="0" indent="0">
+              <a:buNone/>
+            </a:pPr>
+            <a:r>
+              <a:rPr lang="en-US" dirty="0"/>
+              <a:t>        </a:t>
+            </a:r>
+            <a:r>
+              <a:rPr lang="en-US" dirty="0" err="1"/>
+              <a:t>input_shape</a:t>
+            </a:r>
+            <a:r>
+              <a:rPr lang="en-US" dirty="0"/>
+              <a:t>=INPUT_SHAPE))</a:t>
+            </a:r>
+          </a:p>
+          <a:p>
+            <a:pPr marL="0" indent="0">
+              <a:buNone/>
+            </a:pPr>
+            <a:r>
+              <a:rPr lang="en-US" dirty="0"/>
+              <a:t>    </a:t>
+            </a:r>
+            <a:r>
+              <a:rPr lang="en-US" dirty="0" err="1"/>
+              <a:t>model.add</a:t>
+            </a:r>
+            <a:r>
+              <a:rPr lang="en-US" dirty="0"/>
+              <a:t>(layers.MaxPooling2D(</a:t>
+            </a:r>
+            <a:r>
+              <a:rPr lang="en-US" dirty="0" err="1"/>
+              <a:t>pool_size</a:t>
+            </a:r>
+            <a:r>
+              <a:rPr lang="en-US" dirty="0"/>
+              <a:t>=(2, 2), strides=(2, 2)))</a:t>
+            </a:r>
+          </a:p>
+          <a:p>
+            <a:pPr marL="0" indent="0">
+              <a:buNone/>
+            </a:pPr>
+            <a:r>
+              <a:rPr lang="en-US" dirty="0"/>
+              <a:t>    # CONV =&gt; RELU =&gt; POOL</a:t>
+            </a:r>
+          </a:p>
+          <a:p>
+            <a:pPr marL="0" indent="0">
+              <a:buNone/>
+            </a:pPr>
+            <a:r>
+              <a:rPr lang="en-US" dirty="0"/>
+              <a:t>    </a:t>
+            </a:r>
+            <a:r>
+              <a:rPr lang="en-US" dirty="0" err="1"/>
+              <a:t>model.add</a:t>
+            </a:r>
+            <a:r>
+              <a:rPr lang="en-US" dirty="0"/>
+              <a:t>(layers.Convolution2D(50, (5, 5), activation='</a:t>
+            </a:r>
+            <a:r>
+              <a:rPr lang="en-US" dirty="0" err="1"/>
+              <a:t>relu</a:t>
+            </a:r>
+            <a:r>
+              <a:rPr lang="en-US" dirty="0"/>
+              <a:t>'))</a:t>
+            </a:r>
+          </a:p>
+          <a:p>
+            <a:pPr marL="0" indent="0">
+              <a:buNone/>
+            </a:pPr>
+            <a:r>
+              <a:rPr lang="en-US" dirty="0"/>
+              <a:t>    </a:t>
+            </a:r>
+            <a:r>
+              <a:rPr lang="en-US" dirty="0" err="1"/>
+              <a:t>model.add</a:t>
+            </a:r>
+            <a:r>
+              <a:rPr lang="en-US" dirty="0"/>
+              <a:t>(layers.MaxPooling2D(</a:t>
+            </a:r>
+            <a:r>
+              <a:rPr lang="en-US" dirty="0" err="1"/>
+              <a:t>pool_size</a:t>
+            </a:r>
+            <a:r>
+              <a:rPr lang="en-US" dirty="0"/>
+              <a:t>=(2, 2), strides=(2, 2)))</a:t>
+            </a:r>
+          </a:p>
+          <a:p>
+            <a:pPr marL="0" indent="0">
+              <a:buNone/>
+            </a:pPr>
+            <a:r>
+              <a:rPr lang="en-US" dirty="0"/>
+              <a:t>    # Flatten =&gt; RELU layers</a:t>
+            </a:r>
+          </a:p>
+          <a:p>
+            <a:pPr marL="0" indent="0">
+              <a:buNone/>
+            </a:pPr>
+            <a:r>
+              <a:rPr lang="en-US" dirty="0"/>
+              <a:t>    </a:t>
+            </a:r>
+            <a:r>
+              <a:rPr lang="en-US" dirty="0" err="1"/>
+              <a:t>model.add</a:t>
+            </a:r>
+            <a:r>
+              <a:rPr lang="en-US" dirty="0"/>
+              <a:t>(</a:t>
+            </a:r>
+            <a:r>
+              <a:rPr lang="en-US" dirty="0" err="1"/>
+              <a:t>layers.Flatten</a:t>
+            </a:r>
+            <a:r>
+              <a:rPr lang="en-US" dirty="0"/>
+              <a:t>())</a:t>
+            </a:r>
+          </a:p>
+          <a:p>
+            <a:pPr marL="0" indent="0">
+              <a:buNone/>
+            </a:pPr>
+            <a:r>
+              <a:rPr lang="en-US" dirty="0"/>
+              <a:t>    </a:t>
+            </a:r>
+            <a:r>
+              <a:rPr lang="en-US" dirty="0" err="1"/>
+              <a:t>model.add</a:t>
+            </a:r>
+            <a:r>
+              <a:rPr lang="en-US" dirty="0"/>
+              <a:t>(</a:t>
+            </a:r>
+            <a:r>
+              <a:rPr lang="en-US" dirty="0" err="1"/>
+              <a:t>layers.Dense</a:t>
+            </a:r>
+            <a:r>
+              <a:rPr lang="en-US" dirty="0"/>
+              <a:t>(500, activation='</a:t>
+            </a:r>
+            <a:r>
+              <a:rPr lang="en-US" dirty="0" err="1"/>
+              <a:t>relu</a:t>
+            </a:r>
+            <a:r>
+              <a:rPr lang="en-US" dirty="0"/>
+              <a:t>'))</a:t>
+            </a:r>
+          </a:p>
+          <a:p>
+            <a:pPr marL="0" indent="0">
+              <a:buNone/>
+            </a:pPr>
+            <a:r>
+              <a:rPr lang="en-US" dirty="0"/>
+              <a:t>    # a </a:t>
+            </a:r>
+            <a:r>
+              <a:rPr lang="en-US" dirty="0" err="1"/>
+              <a:t>softmax</a:t>
+            </a:r>
+            <a:r>
+              <a:rPr lang="en-US" dirty="0"/>
+              <a:t> classifier</a:t>
+            </a:r>
+          </a:p>
+          <a:p>
+            <a:pPr marL="0" indent="0">
+              <a:buNone/>
+            </a:pPr>
+            <a:r>
+              <a:rPr lang="en-US" dirty="0"/>
+              <a:t>    </a:t>
+            </a:r>
+            <a:r>
+              <a:rPr lang="en-US" dirty="0" err="1"/>
+              <a:t>model.add</a:t>
+            </a:r>
+            <a:r>
+              <a:rPr lang="en-US" dirty="0"/>
+              <a:t>(</a:t>
+            </a:r>
+            <a:r>
+              <a:rPr lang="en-US" dirty="0" err="1"/>
+              <a:t>layers.Dense</a:t>
+            </a:r>
+            <a:r>
+              <a:rPr lang="en-US" dirty="0"/>
+              <a:t>(DIGIT_CLASSES, activation="</a:t>
+            </a:r>
+            <a:r>
+              <a:rPr lang="en-US" dirty="0" err="1"/>
+              <a:t>softmax</a:t>
+            </a:r>
+            <a:r>
+              <a:rPr lang="en-US" dirty="0"/>
+              <a:t>"))</a:t>
+            </a:r>
+          </a:p>
+        </p:txBody>
+      </p:sp>
+    </p:spTree>
+    <p:extLst>
+      <p:ext uri="{BB962C8B-B14F-4D97-AF65-F5344CB8AC3E}">
+        <p14:creationId xmlns:p14="http://schemas.microsoft.com/office/powerpoint/2010/main" val="2011592665"/>
+      </p:ext>
+    </p:extLst>
+  </p:cSld>
+  <p:clrMapOvr>
+    <a:masterClrMapping/>
+  </p:clrMapOvr>
+</p:sld>
+</file>
+
+<file path=ppt/slides/slide6.xml><?xml version="1.0" encoding="utf-8"?>
+<p:sld xmlns:a="http://schemas.openxmlformats.org/drawingml/2006/main" xmlns:r="http://schemas.openxmlformats.org/officeDocument/2006/relationships" xmlns:p="http://schemas.openxmlformats.org/presentationml/2006/main">
+  <p:cSld>
+    <p:spTree>
+      <p:nvGrpSpPr>
+        <p:cNvPr id="1" name=""/>
+        <p:cNvGrpSpPr/>
+        <p:nvPr/>
+      </p:nvGrpSpPr>
+      <p:grpSpPr>
+        <a:xfrm>
+          <a:off x="0" y="0"/>
+          <a:ext cx="0" cy="0"/>
+          <a:chOff x="0" y="0"/>
+          <a:chExt cx="0" cy="0"/>
+        </a:xfrm>
+      </p:grpSpPr>
+      <p:sp>
+        <p:nvSpPr>
+          <p:cNvPr id="2" name="Title 1">
+            <a:extLst>
+              <a:ext uri="{FF2B5EF4-FFF2-40B4-BE49-F238E27FC236}">
                 <a16:creationId xmlns:a16="http://schemas.microsoft.com/office/drawing/2014/main" id="{B4671003-CA25-4E6B-A82C-0C93D0E91426}"/>
               </a:ext>
             </a:extLst>
@@ -4174,7 +4301,7 @@
 </p:sld>
 </file>
 
-<file path=ppt/slides/slide6.xml><?xml version="1.0" encoding="utf-8"?>
+<file path=ppt/slides/slide7.xml><?xml version="1.0" encoding="utf-8"?>
 <p:sld xmlns:a="http://schemas.openxmlformats.org/drawingml/2006/main" xmlns:r="http://schemas.openxmlformats.org/officeDocument/2006/relationships" xmlns:p="http://schemas.openxmlformats.org/presentationml/2006/main">
   <p:cSld>
     <p:spTree>
@@ -4295,7 +4422,7 @@
 </p:sld>
 </file>
 
-<file path=ppt/slides/slide7.xml><?xml version="1.0" encoding="utf-8"?>
+<file path=ppt/slides/slide8.xml><?xml version="1.0" encoding="utf-8"?>
 <p:sld xmlns:a="http://schemas.openxmlformats.org/drawingml/2006/main" xmlns:r="http://schemas.openxmlformats.org/officeDocument/2006/relationships" xmlns:p="http://schemas.openxmlformats.org/presentationml/2006/main">
   <p:cSld>
     <p:spTree>
@@ -4414,7 +4541,7 @@
 </p:sld>
 </file>
 
-<file path=ppt/slides/slide8.xml><?xml version="1.0" encoding="utf-8"?>
+<file path=ppt/slides/slide9.xml><?xml version="1.0" encoding="utf-8"?>
 <p:sld xmlns:a="http://schemas.openxmlformats.org/drawingml/2006/main" xmlns:r="http://schemas.openxmlformats.org/officeDocument/2006/relationships" xmlns:p="http://schemas.openxmlformats.org/presentationml/2006/main">
   <p:cSld>
     <p:spTree>
